--- a/slides/praktische-einfuehrung-in-typescript.pptx
+++ b/slides/praktische-einfuehrung-in-typescript.pptx
@@ -1796,7 +1796,7 @@
         </p:nvSpPr>
         <p:spPr>
           <a:xfrm>
-            <a:off x="463345" y="1311991"/>
+            <a:off x="346613" y="98514"/>
             <a:ext cx="4099199" cy="338554"/>
           </a:xfrm>
           <a:prstGeom prst="rect">
@@ -1862,8 +1862,8 @@
         </p:nvSpPr>
         <p:spPr>
           <a:xfrm>
-            <a:off x="3297362" y="4210209"/>
-            <a:ext cx="4510787" cy="369332"/>
+            <a:off x="3440220" y="4167593"/>
+            <a:ext cx="5107232" cy="369332"/>
           </a:xfrm>
           <a:prstGeom prst="rect">
             <a:avLst/>
@@ -1906,15 +1906,7 @@
                   <a:srgbClr val="025249"/>
                 </a:solidFill>
               </a:rPr>
-              <a:t>/</a:t>
-            </a:r>
-            <a:r>
-              <a:rPr lang="de-DE" b="1" dirty="0" err="1">
-                <a:solidFill>
-                  <a:srgbClr val="025249"/>
-                </a:solidFill>
-              </a:rPr>
-              <a:t>voxxed-vienna-typescript</a:t>
+              <a:t>/jax2018-typescript-einfuehrung</a:t>
             </a:r>
             <a:endParaRPr lang="de-DE" b="1" dirty="0">
               <a:solidFill>
@@ -1932,8 +1924,8 @@
         </p:nvSpPr>
         <p:spPr>
           <a:xfrm>
-            <a:off x="463344" y="3368304"/>
-            <a:ext cx="9037303" cy="615553"/>
+            <a:off x="0" y="3368304"/>
+            <a:ext cx="9906000" cy="615553"/>
           </a:xfrm>
           <a:prstGeom prst="rect">
             <a:avLst/>
@@ -1946,6 +1938,7 @@
           </a:bodyPr>
           <a:lstStyle/>
           <a:p>
+            <a:pPr algn="ctr"/>
             <a:r>
               <a:rPr lang="de-DE" sz="3400" b="1" dirty="0">
                 <a:solidFill>
@@ -1955,7 +1948,29 @@
                 <a:ea typeface="Montserrat" charset="0"/>
                 <a:cs typeface="Montserrat" charset="0"/>
               </a:rPr>
-              <a:t>Ein praktische Einführung in </a:t>
+              <a:t>Eine praktische</a:t>
+            </a:r>
+            <a:r>
+              <a:rPr lang="de-DE" sz="3400" b="1" dirty="0">
+                <a:solidFill>
+                  <a:srgbClr val="41719C"/>
+                </a:solidFill>
+                <a:latin typeface="Montserrat" charset="0"/>
+                <a:ea typeface="Montserrat" charset="0"/>
+                <a:cs typeface="Montserrat" charset="0"/>
+              </a:rPr>
+              <a:t> Einführung </a:t>
+            </a:r>
+            <a:r>
+              <a:rPr lang="de-DE" sz="3400" b="1" dirty="0">
+                <a:solidFill>
+                  <a:srgbClr val="EF7D1D"/>
+                </a:solidFill>
+                <a:latin typeface="Montserrat" charset="0"/>
+                <a:ea typeface="Montserrat" charset="0"/>
+                <a:cs typeface="Montserrat" charset="0"/>
+              </a:rPr>
+              <a:t>in </a:t>
             </a:r>
             <a:r>
               <a:rPr lang="de-DE" sz="3400" b="1" dirty="0" err="1">
@@ -8738,7 +8753,7 @@
         </p:nvSpPr>
         <p:spPr>
           <a:xfrm>
-            <a:off x="0" y="1029940"/>
+            <a:off x="0" y="921435"/>
             <a:ext cx="9906000" cy="923330"/>
           </a:xfrm>
           <a:prstGeom prst="rect">
@@ -8810,7 +8825,7 @@
         </p:nvSpPr>
         <p:spPr>
           <a:xfrm>
-            <a:off x="1348071" y="1836717"/>
+            <a:off x="1348071" y="2650086"/>
             <a:ext cx="7209858" cy="860235"/>
           </a:xfrm>
           <a:prstGeom prst="rect">
@@ -8850,7 +8865,23 @@
                   <a:srgbClr val="41719C"/>
                 </a:solidFill>
               </a:rPr>
-              <a:t>http://bit.ly/voxxed-vienna-typescript</a:t>
+              <a:t>http://</a:t>
+            </a:r>
+            <a:r>
+              <a:rPr lang="de-DE" sz="2000" b="1" dirty="0" err="1">
+                <a:solidFill>
+                  <a:srgbClr val="41719C"/>
+                </a:solidFill>
+              </a:rPr>
+              <a:t>bit.ly</a:t>
+            </a:r>
+            <a:r>
+              <a:rPr lang="de-DE" sz="2000" b="1" dirty="0">
+                <a:solidFill>
+                  <a:srgbClr val="41719C"/>
+                </a:solidFill>
+              </a:rPr>
+              <a:t>/jax2018-typescript-einfuehrung</a:t>
             </a:r>
           </a:p>
           <a:p>
@@ -9665,43 +9696,7 @@
                 </a:solidFill>
                 <a:latin typeface="Source Sans Pro" panose="020B0503030403020204" pitchFamily="34" charset="77"/>
               </a:rPr>
-              <a:t>(</a:t>
-            </a:r>
-            <a:r>
-              <a:rPr lang="de-DE" sz="2000" dirty="0" err="1">
-                <a:solidFill>
-                  <a:srgbClr val="36544F"/>
-                </a:solidFill>
-                <a:latin typeface="Source Sans Pro" panose="020B0503030403020204" pitchFamily="34" charset="77"/>
-              </a:rPr>
-              <a:t>Creator</a:t>
-            </a:r>
-            <a:r>
-              <a:rPr lang="de-DE" sz="2000" dirty="0">
-                <a:solidFill>
-                  <a:srgbClr val="36544F"/>
-                </a:solidFill>
-                <a:latin typeface="Source Sans Pro" panose="020B0503030403020204" pitchFamily="34" charset="77"/>
-              </a:rPr>
-              <a:t> </a:t>
-            </a:r>
-            <a:r>
-              <a:rPr lang="de-DE" sz="2000" dirty="0" err="1">
-                <a:solidFill>
-                  <a:srgbClr val="36544F"/>
-                </a:solidFill>
-                <a:latin typeface="Source Sans Pro" panose="020B0503030403020204" pitchFamily="34" charset="77"/>
-              </a:rPr>
-              <a:t>of</a:t>
-            </a:r>
-            <a:r>
-              <a:rPr lang="de-DE" sz="2000" dirty="0">
-                <a:solidFill>
-                  <a:srgbClr val="36544F"/>
-                </a:solidFill>
-                <a:latin typeface="Source Sans Pro" panose="020B0503030403020204" pitchFamily="34" charset="77"/>
-              </a:rPr>
-              <a:t> Spring Framework)</a:t>
+              <a:t>("Erfinder" von Spring)</a:t>
             </a:r>
           </a:p>
           <a:p>
@@ -9787,13 +9782,8 @@
             </a:r>
             <a:r>
               <a:rPr lang="de-DE" dirty="0"/>
-              <a:t> at a </a:t>
-            </a:r>
-            <a:r>
-              <a:rPr lang="de-DE" dirty="0" err="1"/>
-              <a:t>Glance</a:t>
-            </a:r>
-            <a:endParaRPr lang="de-DE" dirty="0"/>
+              <a:t> auf einen Blick</a:t>
+            </a:r>
           </a:p>
         </p:txBody>
       </p:sp>
@@ -9806,7 +9796,7 @@
         <p:spPr>
           <a:xfrm>
             <a:off x="203200" y="1268793"/>
-            <a:ext cx="9499600" cy="6635856"/>
+            <a:ext cx="9499600" cy="6746655"/>
           </a:xfrm>
           <a:prstGeom prst="rect">
             <a:avLst/>
@@ -9850,11 +9840,77 @@
           <a:p>
             <a:pPr marL="285750" indent="-285750">
               <a:lnSpc>
-                <a:spcPct val="130000"/>
+                <a:spcPct val="150000"/>
               </a:lnSpc>
               <a:buFont typeface="Arial" charset="0"/>
               <a:buChar char="•"/>
             </a:pPr>
+            <a:r>
+              <a:rPr lang="de-DE" sz="2400" dirty="0">
+                <a:solidFill>
+                  <a:srgbClr val="025249"/>
+                </a:solidFill>
+                <a:latin typeface="Source Sans Pro" charset="0"/>
+                <a:ea typeface="Source Sans Pro" charset="0"/>
+                <a:cs typeface="Source Sans Pro" charset="0"/>
+              </a:rPr>
+              <a:t>Jeder  gültige JavaScript Code ist </a:t>
+            </a:r>
+            <a:r>
+              <a:rPr lang="de-DE" sz="2400" dirty="0" err="1">
+                <a:solidFill>
+                  <a:srgbClr val="025249"/>
+                </a:solidFill>
+                <a:latin typeface="Source Sans Pro" charset="0"/>
+                <a:ea typeface="Source Sans Pro" charset="0"/>
+                <a:cs typeface="Source Sans Pro" charset="0"/>
+              </a:rPr>
+              <a:t>gülter</a:t>
+            </a:r>
+            <a:r>
+              <a:rPr lang="de-DE" sz="2400" dirty="0">
+                <a:solidFill>
+                  <a:srgbClr val="025249"/>
+                </a:solidFill>
+                <a:latin typeface="Source Sans Pro" charset="0"/>
+                <a:ea typeface="Source Sans Pro" charset="0"/>
+                <a:cs typeface="Source Sans Pro" charset="0"/>
+              </a:rPr>
+              <a:t> </a:t>
+            </a:r>
+            <a:r>
+              <a:rPr lang="de-DE" sz="2400" dirty="0" err="1">
+                <a:solidFill>
+                  <a:srgbClr val="025249"/>
+                </a:solidFill>
+                <a:latin typeface="Source Sans Pro" charset="0"/>
+                <a:ea typeface="Source Sans Pro" charset="0"/>
+                <a:cs typeface="Source Sans Pro" charset="0"/>
+              </a:rPr>
+              <a:t>TypeScript</a:t>
+            </a:r>
+            <a:r>
+              <a:rPr lang="de-DE" sz="2400" dirty="0">
+                <a:solidFill>
+                  <a:srgbClr val="025249"/>
+                </a:solidFill>
+                <a:latin typeface="Source Sans Pro" charset="0"/>
+                <a:ea typeface="Source Sans Pro" charset="0"/>
+                <a:cs typeface="Source Sans Pro" charset="0"/>
+              </a:rPr>
+              <a:t> Code </a:t>
+            </a:r>
+            <a:r>
+              <a:rPr lang="de-DE" sz="1600" dirty="0">
+                <a:solidFill>
+                  <a:srgbClr val="025249"/>
+                </a:solidFill>
+                <a:latin typeface="Source Sans Pro" charset="0"/>
+                <a:ea typeface="Source Sans Pro" charset="0"/>
+                <a:cs typeface="Source Sans Pro" charset="0"/>
+              </a:rPr>
+              <a:t>(theoretisch...)</a:t>
+            </a:r>
             <a:endParaRPr lang="de-DE" sz="2400" dirty="0">
               <a:solidFill>
                 <a:srgbClr val="025249"/>
@@ -9867,7 +9923,7 @@
           <a:p>
             <a:pPr marL="285750" indent="-285750">
               <a:lnSpc>
-                <a:spcPct val="130000"/>
+                <a:spcPct val="150000"/>
               </a:lnSpc>
               <a:buFont typeface="Arial" charset="0"/>
               <a:buChar char="•"/>
@@ -9881,7 +9937,7 @@
                 <a:ea typeface="Source Sans Pro" charset="0"/>
                 <a:cs typeface="Source Sans Pro" charset="0"/>
               </a:rPr>
-              <a:t>Jeder  gültige JavaScript Code ist </a:t>
+              <a:t>Ergänzt JS um Typ-System, Sichtbarkeiten, </a:t>
             </a:r>
             <a:r>
               <a:rPr lang="de-DE" sz="2400" dirty="0" err="1">
@@ -9892,7 +9948,7 @@
                 <a:ea typeface="Source Sans Pro" charset="0"/>
                 <a:cs typeface="Source Sans Pro" charset="0"/>
               </a:rPr>
-              <a:t>gülter</a:t>
+              <a:t>Enums</a:t>
             </a:r>
             <a:r>
               <a:rPr lang="de-DE" sz="2400" dirty="0">
@@ -9903,7 +9959,7 @@
                 <a:ea typeface="Source Sans Pro" charset="0"/>
                 <a:cs typeface="Source Sans Pro" charset="0"/>
               </a:rPr>
-              <a:t> </a:t>
+              <a:t> und </a:t>
             </a:r>
             <a:r>
               <a:rPr lang="de-DE" sz="2400" dirty="0" err="1">
@@ -9914,29 +9970,7 @@
                 <a:ea typeface="Source Sans Pro" charset="0"/>
                 <a:cs typeface="Source Sans Pro" charset="0"/>
               </a:rPr>
-              <a:t>TypeScript</a:t>
-            </a:r>
-            <a:r>
-              <a:rPr lang="de-DE" sz="2400" dirty="0">
-                <a:solidFill>
-                  <a:srgbClr val="025249"/>
-                </a:solidFill>
-                <a:latin typeface="Source Sans Pro" charset="0"/>
-                <a:ea typeface="Source Sans Pro" charset="0"/>
-                <a:cs typeface="Source Sans Pro" charset="0"/>
-              </a:rPr>
-              <a:t> Code </a:t>
-            </a:r>
-            <a:r>
-              <a:rPr lang="de-DE" sz="1600" dirty="0">
-                <a:solidFill>
-                  <a:srgbClr val="025249"/>
-                </a:solidFill>
-                <a:latin typeface="Source Sans Pro" charset="0"/>
-                <a:ea typeface="Source Sans Pro" charset="0"/>
-                <a:cs typeface="Source Sans Pro" charset="0"/>
-              </a:rPr>
-              <a:t>(theoretisch...)</a:t>
+              <a:t>Dekoratoren</a:t>
             </a:r>
             <a:endParaRPr lang="de-DE" sz="2400" dirty="0">
               <a:solidFill>
@@ -9950,7 +9984,49 @@
           <a:p>
             <a:pPr marL="285750" indent="-285750">
               <a:lnSpc>
-                <a:spcPct val="130000"/>
+                <a:spcPct val="150000"/>
+              </a:lnSpc>
+              <a:buFont typeface="Arial" charset="0"/>
+              <a:buChar char="•"/>
+            </a:pPr>
+            <a:r>
+              <a:rPr lang="de-DE" sz="2400" dirty="0">
+                <a:solidFill>
+                  <a:srgbClr val="025249"/>
+                </a:solidFill>
+                <a:latin typeface="Source Sans Pro" charset="0"/>
+                <a:ea typeface="Source Sans Pro" charset="0"/>
+                <a:cs typeface="Source Sans Pro" charset="0"/>
+              </a:rPr>
+              <a:t>Compiler erzeugt aus </a:t>
+            </a:r>
+            <a:r>
+              <a:rPr lang="de-DE" sz="2400" dirty="0" err="1">
+                <a:solidFill>
+                  <a:srgbClr val="025249"/>
+                </a:solidFill>
+                <a:latin typeface="Source Sans Pro" charset="0"/>
+                <a:ea typeface="Source Sans Pro" charset="0"/>
+                <a:cs typeface="Source Sans Pro" charset="0"/>
+              </a:rPr>
+              <a:t>TypeScript</a:t>
+            </a:r>
+            <a:r>
+              <a:rPr lang="de-DE" sz="2400" dirty="0">
+                <a:solidFill>
+                  <a:srgbClr val="025249"/>
+                </a:solidFill>
+                <a:latin typeface="Source Sans Pro" charset="0"/>
+                <a:ea typeface="Source Sans Pro" charset="0"/>
+                <a:cs typeface="Source Sans Pro" charset="0"/>
+              </a:rPr>
+              <a:t>-Code JavaScript (ES3, ES5, ES6)-Code</a:t>
+            </a:r>
+          </a:p>
+          <a:p>
+            <a:pPr marL="285750" indent="-285750">
+              <a:lnSpc>
+                <a:spcPct val="150000"/>
               </a:lnSpc>
               <a:buFont typeface="Arial" charset="0"/>
               <a:buChar char="•"/>
@@ -9967,7 +10043,7 @@
           <a:p>
             <a:pPr marL="285750" indent="-285750">
               <a:lnSpc>
-                <a:spcPct val="130000"/>
+                <a:spcPct val="150000"/>
               </a:lnSpc>
               <a:buFont typeface="Arial" charset="0"/>
               <a:buChar char="•"/>
@@ -9981,40 +10057,28 @@
                 <a:ea typeface="Source Sans Pro" charset="0"/>
                 <a:cs typeface="Source Sans Pro" charset="0"/>
               </a:rPr>
-              <a:t>Ergänzt JS um Typ-System, Sichtbarkeiten, </a:t>
-            </a:r>
-            <a:r>
-              <a:rPr lang="de-DE" sz="2400" dirty="0" err="1">
+              <a:t>Entwickelt von Microsoft</a:t>
+            </a:r>
+          </a:p>
+          <a:p>
+            <a:pPr marL="742950" lvl="1" indent="-285750">
+              <a:lnSpc>
+                <a:spcPct val="150000"/>
+              </a:lnSpc>
+              <a:buFont typeface="Arial" charset="0"/>
+              <a:buChar char="•"/>
+            </a:pPr>
+            <a:r>
+              <a:rPr lang="de-DE" sz="2400" dirty="0">
                 <a:solidFill>
                   <a:srgbClr val="025249"/>
                 </a:solidFill>
                 <a:latin typeface="Source Sans Pro" charset="0"/>
                 <a:ea typeface="Source Sans Pro" charset="0"/>
                 <a:cs typeface="Source Sans Pro" charset="0"/>
-              </a:rPr>
-              <a:t>Enums</a:t>
-            </a:r>
-            <a:r>
-              <a:rPr lang="de-DE" sz="2400" dirty="0">
-                <a:solidFill>
-                  <a:srgbClr val="025249"/>
-                </a:solidFill>
-                <a:latin typeface="Source Sans Pro" charset="0"/>
-                <a:ea typeface="Source Sans Pro" charset="0"/>
-                <a:cs typeface="Source Sans Pro" charset="0"/>
-              </a:rPr>
-              <a:t> und </a:t>
-            </a:r>
-            <a:r>
-              <a:rPr lang="de-DE" sz="2400" dirty="0" err="1">
-                <a:solidFill>
-                  <a:srgbClr val="025249"/>
-                </a:solidFill>
-                <a:latin typeface="Source Sans Pro" charset="0"/>
-                <a:ea typeface="Source Sans Pro" charset="0"/>
-                <a:cs typeface="Source Sans Pro" charset="0"/>
-              </a:rPr>
-              <a:t>Dekoratoren</a:t>
+                <a:hlinkClick r:id="rId2"/>
+              </a:rPr>
+              <a:t>http://www.typescriptlang.org/</a:t>
             </a:r>
             <a:endParaRPr lang="de-DE" sz="2400" dirty="0">
               <a:solidFill>
@@ -10028,24 +10092,7 @@
           <a:p>
             <a:pPr marL="285750" indent="-285750">
               <a:lnSpc>
-                <a:spcPct val="130000"/>
-              </a:lnSpc>
-              <a:buFont typeface="Arial" charset="0"/>
-              <a:buChar char="•"/>
-            </a:pPr>
-            <a:endParaRPr lang="de-DE" sz="2400" dirty="0">
-              <a:solidFill>
-                <a:srgbClr val="025249"/>
-              </a:solidFill>
-              <a:latin typeface="Source Sans Pro" charset="0"/>
-              <a:ea typeface="Source Sans Pro" charset="0"/>
-              <a:cs typeface="Source Sans Pro" charset="0"/>
-            </a:endParaRPr>
-          </a:p>
-          <a:p>
-            <a:pPr marL="285750" indent="-285750">
-              <a:lnSpc>
-                <a:spcPct val="130000"/>
+                <a:spcPct val="150000"/>
               </a:lnSpc>
               <a:buFont typeface="Arial" charset="0"/>
               <a:buChar char="•"/>
@@ -10059,8 +10106,17 @@
                 <a:ea typeface="Source Sans Pro" charset="0"/>
                 <a:cs typeface="Source Sans Pro" charset="0"/>
               </a:rPr>
-              <a:t>Compiler erzeugt aus </a:t>
-            </a:r>
+              <a:t>Sehr guter IDE Support</a:t>
+            </a:r>
+          </a:p>
+          <a:p>
+            <a:pPr marL="742950" lvl="1" indent="-285750">
+              <a:lnSpc>
+                <a:spcPct val="150000"/>
+              </a:lnSpc>
+              <a:buFont typeface="Arial" charset="0"/>
+              <a:buChar char="•"/>
+            </a:pPr>
             <a:r>
               <a:rPr lang="de-DE" sz="2400" dirty="0" err="1">
                 <a:solidFill>
@@ -10070,7 +10126,7 @@
                 <a:ea typeface="Source Sans Pro" charset="0"/>
                 <a:cs typeface="Source Sans Pro" charset="0"/>
               </a:rPr>
-              <a:t>TypeScript</a:t>
+              <a:t>IntelliJ</a:t>
             </a:r>
             <a:r>
               <a:rPr lang="de-DE" sz="2400" dirty="0">
@@ -10081,74 +10137,8 @@
                 <a:ea typeface="Source Sans Pro" charset="0"/>
                 <a:cs typeface="Source Sans Pro" charset="0"/>
               </a:rPr>
-              <a:t>-Code JavaScript (ES3, ES5, ES6)-Code</a:t>
-            </a:r>
-          </a:p>
-          <a:p>
-            <a:pPr marL="285750" indent="-285750">
-              <a:lnSpc>
-                <a:spcPct val="130000"/>
-              </a:lnSpc>
-              <a:buFont typeface="Arial" charset="0"/>
-              <a:buChar char="•"/>
-            </a:pPr>
-            <a:endParaRPr lang="de-DE" sz="2400" dirty="0">
-              <a:solidFill>
-                <a:srgbClr val="025249"/>
-              </a:solidFill>
-              <a:latin typeface="Source Sans Pro" charset="0"/>
-              <a:ea typeface="Source Sans Pro" charset="0"/>
-              <a:cs typeface="Source Sans Pro" charset="0"/>
-            </a:endParaRPr>
-          </a:p>
-          <a:p>
-            <a:pPr marL="285750" indent="-285750">
-              <a:lnSpc>
-                <a:spcPct val="130000"/>
-              </a:lnSpc>
-              <a:buFont typeface="Arial" charset="0"/>
-              <a:buChar char="•"/>
-            </a:pPr>
-            <a:r>
-              <a:rPr lang="de-DE" sz="2400" dirty="0">
-                <a:solidFill>
-                  <a:srgbClr val="025249"/>
-                </a:solidFill>
-                <a:latin typeface="Source Sans Pro" charset="0"/>
-                <a:ea typeface="Source Sans Pro" charset="0"/>
-                <a:cs typeface="Source Sans Pro" charset="0"/>
-              </a:rPr>
-              <a:t>Entwickelt von Microsoft</a:t>
-            </a:r>
-          </a:p>
-          <a:p>
-            <a:pPr marL="742950" lvl="1" indent="-285750">
-              <a:lnSpc>
-                <a:spcPct val="130000"/>
-              </a:lnSpc>
-              <a:buFont typeface="Arial" charset="0"/>
-              <a:buChar char="•"/>
-            </a:pPr>
-            <a:r>
-              <a:rPr lang="de-DE" sz="2400" dirty="0">
-                <a:solidFill>
-                  <a:srgbClr val="025249"/>
-                </a:solidFill>
-                <a:latin typeface="Source Sans Pro" charset="0"/>
-                <a:ea typeface="Source Sans Pro" charset="0"/>
-                <a:cs typeface="Source Sans Pro" charset="0"/>
-                <a:hlinkClick r:id="rId2"/>
-              </a:rPr>
-              <a:t>http://www.typescriptlang.org/</a:t>
-            </a:r>
-            <a:endParaRPr lang="de-DE" sz="2400" dirty="0">
-              <a:solidFill>
-                <a:srgbClr val="025249"/>
-              </a:solidFill>
-              <a:latin typeface="Source Sans Pro" charset="0"/>
-              <a:ea typeface="Source Sans Pro" charset="0"/>
-              <a:cs typeface="Source Sans Pro" charset="0"/>
-            </a:endParaRPr>
+              <a:t> IDEA, Visual Studio Code</a:t>
+            </a:r>
           </a:p>
           <a:p>
             <a:pPr marL="742950" lvl="1" indent="-285750">
